--- a/project_files/Presentation/Introduction.pptx
+++ b/project_files/Presentation/Introduction.pptx
@@ -118,6 +118,7 @@
 <file path=ppt/revisionInfo.xml><?xml version="1.0" encoding="utf-8"?>
 <p1510:revInfo xmlns:a="http://schemas.openxmlformats.org/drawingml/2006/main" xmlns:r="http://schemas.openxmlformats.org/officeDocument/2006/relationships" xmlns:p1510="http://schemas.microsoft.com/office/powerpoint/2015/10/main">
   <p1510:revLst>
+    <p1510:client id="{521B436C-1D42-4FFC-9BCF-3181BF34BE52}" v="14" dt="2021-12-14T00:47:57.567"/>
     <p1510:client id="{7610F360-10C1-4880-97E2-0C29AB787995}" v="792" dt="2021-12-13T14:45:39.302"/>
   </p1510:revLst>
 </p1510:revInfo>
@@ -218,7 +219,7 @@
           <a:effectLst/>
           <a:extLst>
             <a:ext uri="{91240B29-F687-4f45-9708-019B960494DF}">
-              <a14:hiddenLine xmlns:a14="http://schemas.microsoft.com/office/drawing/2010/main" xmlns="" w="9525">
+              <a14:hiddenLine xmlns="" xmlns:a14="http://schemas.microsoft.com/office/drawing/2010/main" w="9525">
                 <a:solidFill>
                   <a:srgbClr val="000000"/>
                 </a:solidFill>
@@ -1728,7 +1729,7 @@
           <a:ln/>
           <a:extLst>
             <a:ext uri="{91240B29-F687-4f45-9708-019B960494DF}">
-              <a14:hiddenLine xmlns:a14="http://schemas.microsoft.com/office/drawing/2010/main" xmlns="" w="9525">
+              <a14:hiddenLine xmlns="" xmlns:a14="http://schemas.microsoft.com/office/drawing/2010/main" w="9525">
                 <a:solidFill>
                   <a:srgbClr val="000000"/>
                 </a:solidFill>
@@ -2000,7 +2001,7 @@
           <a:ln/>
           <a:extLst>
             <a:ext uri="{91240B29-F687-4f45-9708-019B960494DF}">
-              <a14:hiddenLine xmlns:a14="http://schemas.microsoft.com/office/drawing/2010/main" xmlns="" w="9525">
+              <a14:hiddenLine xmlns="" xmlns:a14="http://schemas.microsoft.com/office/drawing/2010/main" w="9525">
                 <a:solidFill>
                   <a:srgbClr val="000000"/>
                 </a:solidFill>
@@ -2280,7 +2281,7 @@
           <a:ln/>
           <a:extLst>
             <a:ext uri="{91240B29-F687-4f45-9708-019B960494DF}">
-              <a14:hiddenLine xmlns:a14="http://schemas.microsoft.com/office/drawing/2010/main" xmlns="" w="9525">
+              <a14:hiddenLine xmlns="" xmlns:a14="http://schemas.microsoft.com/office/drawing/2010/main" w="9525">
                 <a:solidFill>
                   <a:srgbClr val="000000"/>
                 </a:solidFill>
@@ -2900,7 +2901,7 @@
           <a:ln/>
           <a:extLst>
             <a:ext uri="{91240B29-F687-4f45-9708-019B960494DF}">
-              <a14:hiddenLine xmlns:a14="http://schemas.microsoft.com/office/drawing/2010/main" xmlns="" w="9525">
+              <a14:hiddenLine xmlns="" xmlns:a14="http://schemas.microsoft.com/office/drawing/2010/main" w="9525">
                 <a:solidFill>
                   <a:srgbClr val="000000"/>
                 </a:solidFill>
@@ -3236,7 +3237,7 @@
           <a:ln/>
           <a:extLst>
             <a:ext uri="{91240B29-F687-4f45-9708-019B960494DF}">
-              <a14:hiddenLine xmlns:a14="http://schemas.microsoft.com/office/drawing/2010/main" xmlns="" w="9525">
+              <a14:hiddenLine xmlns="" xmlns:a14="http://schemas.microsoft.com/office/drawing/2010/main" w="9525">
                 <a:solidFill>
                   <a:srgbClr val="000000"/>
                 </a:solidFill>
@@ -3710,7 +3711,7 @@
           <a:ln/>
           <a:extLst>
             <a:ext uri="{91240B29-F687-4f45-9708-019B960494DF}">
-              <a14:hiddenLine xmlns:a14="http://schemas.microsoft.com/office/drawing/2010/main" xmlns="" w="9525">
+              <a14:hiddenLine xmlns="" xmlns:a14="http://schemas.microsoft.com/office/drawing/2010/main" w="9525">
                 <a:solidFill>
                   <a:srgbClr val="000000"/>
                 </a:solidFill>
@@ -4133,7 +4134,7 @@
           <a:ln/>
           <a:extLst>
             <a:ext uri="{91240B29-F687-4f45-9708-019B960494DF}">
-              <a14:hiddenLine xmlns:a14="http://schemas.microsoft.com/office/drawing/2010/main" xmlns="" w="9525">
+              <a14:hiddenLine xmlns="" xmlns:a14="http://schemas.microsoft.com/office/drawing/2010/main" w="9525">
                 <a:solidFill>
                   <a:srgbClr val="000000"/>
                 </a:solidFill>
@@ -5409,7 +5410,34 @@
                 <a:ea typeface="+mn-lt"/>
                 <a:cs typeface="+mn-lt"/>
               </a:rPr>
-              <a:t>SC/2019/11150                                       V.M. </a:t>
+              <a:t>SC/2019/11126                   </a:t>
+            </a:r>
+            <a:r>
+              <a:rPr lang="en-US" sz="1000" dirty="0" err="1">
+                <a:ea typeface="+mn-lt"/>
+                <a:cs typeface="+mn-lt"/>
+              </a:rPr>
+              <a:t>W.A.I.M.Weerasinghe</a:t>
+            </a:r>
+            <a:r>
+              <a:rPr lang="en-US" sz="1000" dirty="0">
+                <a:ea typeface="+mn-lt"/>
+                <a:cs typeface="+mn-lt"/>
+              </a:rPr>
+              <a:t> (Leader)</a:t>
+            </a:r>
+          </a:p>
+          <a:p>
+            <a:pPr marL="285750" indent="-285750">
+              <a:buFont typeface="Arial"/>
+              <a:buChar char="•"/>
+            </a:pPr>
+            <a:r>
+              <a:rPr lang="en-US" sz="1000" dirty="0">
+                <a:ea typeface="+mn-lt"/>
+                <a:cs typeface="+mn-lt"/>
+              </a:rPr>
+              <a:t>SC/2019/11150                                    V.M. </a:t>
             </a:r>
             <a:r>
               <a:rPr lang="en-US" sz="1000" dirty="0" err="1">
@@ -5418,7 +5446,7 @@
               </a:rPr>
               <a:t>Sooriyaarchchi</a:t>
             </a:r>
-            <a:endParaRPr lang="en-US" sz="1000" dirty="0"/>
+            <a:endParaRPr lang="en-US" sz="1000"/>
           </a:p>
           <a:p>
             <a:pPr marL="285750" indent="-285750">
@@ -5430,7 +5458,7 @@
                 <a:ea typeface="+mn-lt"/>
                 <a:cs typeface="+mn-lt"/>
               </a:rPr>
-              <a:t>SC/2019/11144                      G.D.A.M. Asanka Madhushan</a:t>
+              <a:t>SC/2019/11144                   G.D.A.M. Asanka Madhushan</a:t>
             </a:r>
             <a:endParaRPr lang="en-US" sz="1000" dirty="0"/>
           </a:p>
@@ -5444,7 +5472,7 @@
                 <a:ea typeface="+mn-lt"/>
                 <a:cs typeface="+mn-lt"/>
               </a:rPr>
-              <a:t>SC/2019/11117                                   R.P.M.L. </a:t>
+              <a:t>SC/2019/11117                                 R.P.M.L. </a:t>
             </a:r>
             <a:r>
               <a:rPr lang="en-US" sz="1000" dirty="0" err="1">
@@ -5474,35 +5502,7 @@
               </a:rPr>
               <a:t>Piyumal</a:t>
             </a:r>
-            <a:endParaRPr lang="en-US" sz="1000" dirty="0"/>
-          </a:p>
-          <a:p>
-            <a:pPr marL="285750" indent="-285750">
-              <a:buFont typeface="Arial"/>
-              <a:buChar char="•"/>
-            </a:pPr>
-            <a:r>
-              <a:rPr lang="en-US" sz="1000" dirty="0">
-                <a:ea typeface="+mn-lt"/>
-                <a:cs typeface="+mn-lt"/>
-              </a:rPr>
-              <a:t>SC/2019/11126                   </a:t>
-            </a:r>
-            <a:r>
-              <a:rPr lang="en-US" sz="1000" dirty="0" err="1">
-                <a:ea typeface="+mn-lt"/>
-                <a:cs typeface="+mn-lt"/>
-              </a:rPr>
-              <a:t>W.A.I.M.Weerasinghe</a:t>
-            </a:r>
-            <a:r>
-              <a:rPr lang="en-US" sz="1000" dirty="0">
-                <a:ea typeface="+mn-lt"/>
-                <a:cs typeface="+mn-lt"/>
-              </a:rPr>
-              <a:t> (Leader)</a:t>
-            </a:r>
-            <a:endParaRPr lang="en-US" sz="1000" dirty="0"/>
+            <a:endParaRPr lang="en-US" sz="1000" dirty="0" err="1"/>
           </a:p>
           <a:p>
             <a:endParaRPr lang="en-US" sz="1000" dirty="0"/>
